--- a/Shared/[FastCampus] 2주차_강의자료_김경원박사.pptx
+++ b/Shared/[FastCampus] 2주차_강의자료_김경원박사.pptx
@@ -12,7 +12,7 @@
   </p:handoutMasterIdLst>
   <p:sldIdLst>
     <p:sldId id="1063" r:id="rId2"/>
-    <p:sldId id="1066" r:id="rId3"/>
+    <p:sldId id="1135" r:id="rId3"/>
     <p:sldId id="1072" r:id="rId4"/>
     <p:sldId id="1067" r:id="rId5"/>
     <p:sldId id="1074" r:id="rId6"/>
@@ -251,7 +251,7 @@
           <a:p>
             <a:fld id="{FC718EE8-BF93-4A17-BED5-FC99EECA5FC7}" type="datetimeFigureOut">
               <a:rPr lang="ko-KR" altLang="en-US" smtClean="0"/>
-              <a:t>2019-07-21</a:t>
+              <a:t>2019-08-04</a:t>
             </a:fld>
             <a:endParaRPr lang="ko-KR" altLang="en-US"/>
           </a:p>
@@ -416,7 +416,7 @@
           <a:p>
             <a:fld id="{6101F873-BA02-446B-9127-C4DE4310B943}" type="datetimeFigureOut">
               <a:rPr lang="ko-KR" altLang="en-US" smtClean="0"/>
-              <a:t>2019-07-21</a:t>
+              <a:t>2019-08-04</a:t>
             </a:fld>
             <a:endParaRPr lang="ko-KR" altLang="en-US"/>
           </a:p>
@@ -746,11 +746,71 @@
           <a:bodyPr/>
           <a:lstStyle/>
           <a:p>
+            <a:pPr marL="0" marR="0" lvl="0" indent="0" algn="r" defTabSz="1107796" rtl="0" eaLnBrk="1" fontAlgn="auto" latinLnBrk="1" hangingPunct="1">
+              <a:lnSpc>
+                <a:spcPct val="100000"/>
+              </a:lnSpc>
+              <a:spcBef>
+                <a:spcPts val="0"/>
+              </a:spcBef>
+              <a:spcAft>
+                <a:spcPts val="0"/>
+              </a:spcAft>
+              <a:buClrTx/>
+              <a:buSzTx/>
+              <a:buFontTx/>
+              <a:buNone/>
+              <a:tabLst/>
+              <a:defRPr/>
+            </a:pPr>
             <a:fld id="{C191BC67-C438-4515-9D3F-F10D40F1354A}" type="slidenum">
-              <a:rPr lang="ko-KR" altLang="en-US" smtClean="0"/>
+              <a:rPr kumimoji="0" lang="ko-KR" altLang="en-US" sz="1200" b="0" i="0" u="none" strike="noStrike" kern="1200" cap="none" spc="0" normalizeH="0" baseline="0" noProof="0" smtClean="0">
+                <a:ln>
+                  <a:noFill/>
+                </a:ln>
+                <a:solidFill>
+                  <a:prstClr val="black"/>
+                </a:solidFill>
+                <a:effectLst/>
+                <a:uLnTx/>
+                <a:uFillTx/>
+                <a:latin typeface="맑은 고딕"/>
+                <a:ea typeface="맑은 고딕" panose="020B0503020000020004" pitchFamily="50" charset="-127"/>
+                <a:cs typeface="+mn-cs"/>
+              </a:rPr>
+              <a:pPr marL="0" marR="0" lvl="0" indent="0" algn="r" defTabSz="1107796" rtl="0" eaLnBrk="1" fontAlgn="auto" latinLnBrk="1" hangingPunct="1">
+                <a:lnSpc>
+                  <a:spcPct val="100000"/>
+                </a:lnSpc>
+                <a:spcBef>
+                  <a:spcPts val="0"/>
+                </a:spcBef>
+                <a:spcAft>
+                  <a:spcPts val="0"/>
+                </a:spcAft>
+                <a:buClrTx/>
+                <a:buSzTx/>
+                <a:buFontTx/>
+                <a:buNone/>
+                <a:tabLst/>
+                <a:defRPr/>
+              </a:pPr>
               <a:t>2</a:t>
             </a:fld>
-            <a:endParaRPr lang="ko-KR" altLang="en-US"/>
+            <a:endParaRPr kumimoji="0" lang="ko-KR" altLang="en-US" sz="1200" b="0" i="0" u="none" strike="noStrike" kern="1200" cap="none" spc="0" normalizeH="0" baseline="0" noProof="0">
+              <a:ln>
+                <a:noFill/>
+              </a:ln>
+              <a:solidFill>
+                <a:prstClr val="black"/>
+              </a:solidFill>
+              <a:effectLst/>
+              <a:uLnTx/>
+              <a:uFillTx/>
+              <a:latin typeface="맑은 고딕"/>
+              <a:ea typeface="맑은 고딕" panose="020B0503020000020004" pitchFamily="50" charset="-127"/>
+              <a:cs typeface="+mn-cs"/>
+            </a:endParaRPr>
           </a:p>
         </p:txBody>
       </p:sp>
@@ -946,7 +1006,7 @@
           <a:p>
             <a:fld id="{89B5E594-86C5-4F1D-8812-38DF40064943}" type="datetime1">
               <a:rPr lang="ko-KR" altLang="en-US" smtClean="0"/>
-              <a:t>2019-07-21</a:t>
+              <a:t>2019-08-04</a:t>
             </a:fld>
             <a:endParaRPr lang="ko-KR" altLang="en-US"/>
           </a:p>
@@ -1154,7 +1214,7 @@
           <a:p>
             <a:fld id="{05C0B17C-522D-4CD8-8139-01EDEBAB2AF6}" type="datetime1">
               <a:rPr lang="ko-KR" altLang="en-US" smtClean="0"/>
-              <a:t>2019-07-21</a:t>
+              <a:t>2019-08-04</a:t>
             </a:fld>
             <a:endParaRPr lang="ko-KR" altLang="en-US"/>
           </a:p>
@@ -1332,7 +1392,7 @@
           <a:p>
             <a:fld id="{7345261C-38F3-40E7-AAA6-CE27B727AA65}" type="datetime1">
               <a:rPr lang="ko-KR" altLang="en-US" smtClean="0"/>
-              <a:t>2019-07-21</a:t>
+              <a:t>2019-08-04</a:t>
             </a:fld>
             <a:endParaRPr lang="ko-KR" altLang="en-US"/>
           </a:p>
@@ -1500,7 +1560,7 @@
           <a:p>
             <a:fld id="{A8472951-AD8C-47B8-8787-30E2F4BFA1EA}" type="datetime1">
               <a:rPr lang="ko-KR" altLang="en-US" smtClean="0"/>
-              <a:t>2019-07-21</a:t>
+              <a:t>2019-08-04</a:t>
             </a:fld>
             <a:endParaRPr lang="ko-KR" altLang="en-US"/>
           </a:p>
@@ -1755,7 +1815,7 @@
           <a:p>
             <a:fld id="{8BCB1BBF-13D1-46E6-8B8B-C9F26A0BAD91}" type="datetime1">
               <a:rPr lang="ko-KR" altLang="en-US" smtClean="0"/>
-              <a:t>2019-07-21</a:t>
+              <a:t>2019-08-04</a:t>
             </a:fld>
             <a:endParaRPr lang="ko-KR" altLang="en-US"/>
           </a:p>
@@ -2040,7 +2100,7 @@
           <a:p>
             <a:fld id="{B16FDC3D-FD6A-49DF-B101-11717D57279F}" type="datetime1">
               <a:rPr lang="ko-KR" altLang="en-US" smtClean="0"/>
-              <a:t>2019-07-21</a:t>
+              <a:t>2019-08-04</a:t>
             </a:fld>
             <a:endParaRPr lang="ko-KR" altLang="en-US"/>
           </a:p>
@@ -2459,7 +2519,7 @@
           <a:p>
             <a:fld id="{42D411A2-FD90-4A19-98A8-25197A66BC26}" type="datetime1">
               <a:rPr lang="ko-KR" altLang="en-US" smtClean="0"/>
-              <a:t>2019-07-21</a:t>
+              <a:t>2019-08-04</a:t>
             </a:fld>
             <a:endParaRPr lang="ko-KR" altLang="en-US"/>
           </a:p>
@@ -2576,7 +2636,7 @@
           <a:p>
             <a:fld id="{F6E6B532-6471-449A-9A2F-4428556C2F98}" type="datetime1">
               <a:rPr lang="ko-KR" altLang="en-US" smtClean="0"/>
-              <a:t>2019-07-21</a:t>
+              <a:t>2019-08-04</a:t>
             </a:fld>
             <a:endParaRPr lang="ko-KR" altLang="en-US"/>
           </a:p>
@@ -2671,7 +2731,7 @@
           <a:p>
             <a:fld id="{45A9E13B-856D-4562-A86D-A2B6F7BF810F}" type="datetime1">
               <a:rPr lang="ko-KR" altLang="en-US" smtClean="0"/>
-              <a:t>2019-07-21</a:t>
+              <a:t>2019-08-04</a:t>
             </a:fld>
             <a:endParaRPr lang="ko-KR" altLang="en-US"/>
           </a:p>
@@ -2946,7 +3006,7 @@
           <a:p>
             <a:fld id="{A672FB3A-7E9E-4380-9381-6FCA87FBB41A}" type="datetime1">
               <a:rPr lang="ko-KR" altLang="en-US" smtClean="0"/>
-              <a:t>2019-07-21</a:t>
+              <a:t>2019-08-04</a:t>
             </a:fld>
             <a:endParaRPr lang="ko-KR" altLang="en-US"/>
           </a:p>
@@ -3198,7 +3258,7 @@
           <a:p>
             <a:fld id="{3948CCBA-1514-4E9E-888A-807450F810B0}" type="datetime1">
               <a:rPr lang="ko-KR" altLang="en-US" smtClean="0"/>
-              <a:t>2019-07-21</a:t>
+              <a:t>2019-08-04</a:t>
             </a:fld>
             <a:endParaRPr lang="ko-KR" altLang="en-US"/>
           </a:p>
@@ -3411,7 +3471,7 @@
           <a:p>
             <a:fld id="{170EDEE7-370E-499F-B978-ABF387098974}" type="datetime1">
               <a:rPr lang="ko-KR" altLang="en-US" smtClean="0"/>
-              <a:t>2019-07-21</a:t>
+              <a:t>2019-08-04</a:t>
             </a:fld>
             <a:endParaRPr lang="ko-KR" altLang="en-US" dirty="0"/>
           </a:p>
@@ -6359,13 +6419,7 @@
       </p:grpSpPr>
       <p:sp>
         <p:nvSpPr>
-          <p:cNvPr id="5" name="슬라이드 번호 개체 틀 3">
-            <a:extLst>
-              <a:ext uri="{FF2B5EF4-FFF2-40B4-BE49-F238E27FC236}">
-                <a16:creationId xmlns:a16="http://schemas.microsoft.com/office/drawing/2014/main" id="{06C3A460-1E7C-43F0-BC0F-938FDC55BD50}"/>
-              </a:ext>
-            </a:extLst>
-          </p:cNvPr>
+          <p:cNvPr id="4" name="슬라이드 번호 개체 틀 3"/>
           <p:cNvSpPr>
             <a:spLocks noGrp="1"/>
           </p:cNvSpPr>
@@ -6373,41 +6427,91 @@
             <p:ph type="sldNum" sz="quarter" idx="12"/>
           </p:nvPr>
         </p:nvSpPr>
-        <p:spPr>
-          <a:xfrm>
-            <a:off x="9160679" y="6372598"/>
-            <a:ext cx="2837392" cy="364195"/>
-          </a:xfrm>
-        </p:spPr>
+        <p:spPr/>
         <p:txBody>
           <a:bodyPr/>
           <a:lstStyle/>
           <a:p>
+            <a:pPr marL="0" marR="0" lvl="0" indent="0" algn="r" defTabSz="1107796" rtl="0" eaLnBrk="1" fontAlgn="auto" latinLnBrk="1" hangingPunct="1">
+              <a:lnSpc>
+                <a:spcPct val="100000"/>
+              </a:lnSpc>
+              <a:spcBef>
+                <a:spcPts val="0"/>
+              </a:spcBef>
+              <a:spcAft>
+                <a:spcPts val="0"/>
+              </a:spcAft>
+              <a:buClrTx/>
+              <a:buSzTx/>
+              <a:buFontTx/>
+              <a:buNone/>
+              <a:tabLst/>
+              <a:defRPr/>
+            </a:pPr>
             <a:fld id="{6DDAE2C3-1A0B-474A-8CE8-AE55B8D9D4B1}" type="slidenum">
-              <a:rPr lang="ko-KR" altLang="en-US" smtClean="0"/>
-              <a:pPr/>
+              <a:rPr kumimoji="0" lang="ko-KR" altLang="en-US" sz="900" b="0" i="0" u="none" strike="noStrike" kern="1200" cap="none" spc="0" normalizeH="0" baseline="0" noProof="0" smtClean="0">
+                <a:ln>
+                  <a:noFill/>
+                </a:ln>
+                <a:solidFill>
+                  <a:prstClr val="black">
+                    <a:tint val="75000"/>
+                  </a:prstClr>
+                </a:solidFill>
+                <a:effectLst/>
+                <a:uLnTx/>
+                <a:uFillTx/>
+                <a:ea typeface="Noto Sans CJK KR Bold" panose="020B0800000000000000" pitchFamily="34" charset="-127"/>
+                <a:cs typeface="+mn-cs"/>
+              </a:rPr>
+              <a:pPr marL="0" marR="0" lvl="0" indent="0" algn="r" defTabSz="1107796" rtl="0" eaLnBrk="1" fontAlgn="auto" latinLnBrk="1" hangingPunct="1">
+                <a:lnSpc>
+                  <a:spcPct val="100000"/>
+                </a:lnSpc>
+                <a:spcBef>
+                  <a:spcPts val="0"/>
+                </a:spcBef>
+                <a:spcAft>
+                  <a:spcPts val="0"/>
+                </a:spcAft>
+                <a:buClrTx/>
+                <a:buSzTx/>
+                <a:buFontTx/>
+                <a:buNone/>
+                <a:tabLst/>
+                <a:defRPr/>
+              </a:pPr>
               <a:t>2</a:t>
             </a:fld>
-            <a:endParaRPr lang="ko-KR" altLang="en-US" dirty="0"/>
-          </a:p>
-        </p:txBody>
-      </p:sp>
-      <p:sp>
-        <p:nvSpPr>
-          <p:cNvPr id="6" name="TextBox 5">
-            <a:extLst>
-              <a:ext uri="{FF2B5EF4-FFF2-40B4-BE49-F238E27FC236}">
-                <a16:creationId xmlns:a16="http://schemas.microsoft.com/office/drawing/2014/main" id="{E3EAE2D0-FDC5-4DC1-8698-FF0EECB52ACF}"/>
-              </a:ext>
-            </a:extLst>
-          </p:cNvPr>
+            <a:endParaRPr kumimoji="0" lang="ko-KR" altLang="en-US" sz="900" b="0" i="0" u="none" strike="noStrike" kern="1200" cap="none" spc="0" normalizeH="0" baseline="0" noProof="0" dirty="0">
+              <a:ln>
+                <a:noFill/>
+              </a:ln>
+              <a:solidFill>
+                <a:prstClr val="black">
+                  <a:tint val="75000"/>
+                </a:prstClr>
+              </a:solidFill>
+              <a:effectLst/>
+              <a:uLnTx/>
+              <a:uFillTx/>
+              <a:ea typeface="Noto Sans CJK KR Bold" panose="020B0800000000000000" pitchFamily="34" charset="-127"/>
+              <a:cs typeface="+mn-cs"/>
+            </a:endParaRPr>
+          </a:p>
+        </p:txBody>
+      </p:sp>
+      <p:sp>
+        <p:nvSpPr>
+          <p:cNvPr id="11" name="TextBox 10"/>
           <p:cNvSpPr txBox="1"/>
           <p:nvPr/>
         </p:nvSpPr>
         <p:spPr>
           <a:xfrm>
             <a:off x="542135" y="855851"/>
-            <a:ext cx="11298630" cy="3016210"/>
+            <a:ext cx="11298630" cy="2708434"/>
           </a:xfrm>
           <a:prstGeom prst="rect">
             <a:avLst/>
@@ -6420,10 +6524,27 @@
           </a:bodyPr>
           <a:lstStyle/>
           <a:p>
+            <a:pPr marL="0" marR="0" lvl="0" indent="0" algn="l" defTabSz="1107796" rtl="0" eaLnBrk="1" fontAlgn="auto" latinLnBrk="1" hangingPunct="1">
+              <a:lnSpc>
+                <a:spcPct val="100000"/>
+              </a:lnSpc>
+              <a:spcBef>
+                <a:spcPts val="0"/>
+              </a:spcBef>
+              <a:spcAft>
+                <a:spcPts val="0"/>
+              </a:spcAft>
+              <a:buClrTx/>
+              <a:buSzTx/>
+              <a:buFontTx/>
+              <a:buNone/>
+              <a:tabLst/>
+              <a:defRPr/>
+            </a:pPr>
             <a:r>
               <a:rPr lang="en-US" altLang="ko-KR" sz="4400" dirty="0">
                 <a:solidFill>
-                  <a:schemeClr val="bg1"/>
+                  <a:prstClr val="white"/>
                 </a:solidFill>
                 <a:latin typeface="Noto Sans CJK KR Black" panose="020B0A00000000000000" pitchFamily="34" charset="-127"/>
                 <a:ea typeface="Noto Sans CJK KR Black" panose="020B0A00000000000000" pitchFamily="34" charset="-127"/>
@@ -6431,136 +6552,158 @@
               <a:t>2</a:t>
             </a:r>
             <a:r>
-              <a:rPr lang="ko-KR" altLang="en-US" sz="4400" dirty="0">
-                <a:solidFill>
-                  <a:schemeClr val="bg1"/>
-                </a:solidFill>
+              <a:rPr kumimoji="0" lang="ko-KR" altLang="en-US" sz="4400" b="0" i="0" u="none" strike="noStrike" kern="1200" cap="none" spc="0" normalizeH="0" baseline="0" noProof="0" dirty="0">
+                <a:ln>
+                  <a:noFill/>
+                </a:ln>
+                <a:solidFill>
+                  <a:prstClr val="white"/>
+                </a:solidFill>
+                <a:effectLst/>
+                <a:uLnTx/>
+                <a:uFillTx/>
                 <a:latin typeface="Noto Sans CJK KR Black" panose="020B0A00000000000000" pitchFamily="34" charset="-127"/>
                 <a:ea typeface="Noto Sans CJK KR Black" panose="020B0A00000000000000" pitchFamily="34" charset="-127"/>
-              </a:rPr>
-              <a:t>주차 강의의 목적</a:t>
-            </a:r>
-            <a:endParaRPr lang="en-US" altLang="ko-KR" sz="4400" dirty="0">
+                <a:cs typeface="+mn-cs"/>
+              </a:rPr>
+              <a:t>주차 </a:t>
+            </a:r>
+            <a:endParaRPr kumimoji="0" lang="en-US" altLang="ko-KR" sz="4400" b="0" i="0" u="none" strike="noStrike" kern="1200" cap="none" spc="0" normalizeH="0" baseline="0" noProof="0" dirty="0">
+              <a:ln>
+                <a:noFill/>
+              </a:ln>
               <a:solidFill>
-                <a:schemeClr val="bg1"/>
+                <a:prstClr val="white"/>
               </a:solidFill>
+              <a:effectLst/>
+              <a:uLnTx/>
+              <a:uFillTx/>
               <a:latin typeface="Noto Sans CJK KR Black" panose="020B0A00000000000000" pitchFamily="34" charset="-127"/>
               <a:ea typeface="Noto Sans CJK KR Black" panose="020B0A00000000000000" pitchFamily="34" charset="-127"/>
+              <a:cs typeface="+mn-cs"/>
             </a:endParaRPr>
           </a:p>
           <a:p>
-            <a:endParaRPr lang="en-US" altLang="ko-KR" sz="4400" dirty="0">
+            <a:pPr marL="0" marR="0" lvl="0" indent="0" algn="l" defTabSz="1107796" rtl="0" eaLnBrk="1" fontAlgn="auto" latinLnBrk="1" hangingPunct="1">
+              <a:lnSpc>
+                <a:spcPct val="100000"/>
+              </a:lnSpc>
+              <a:spcBef>
+                <a:spcPts val="0"/>
+              </a:spcBef>
+              <a:spcAft>
+                <a:spcPts val="0"/>
+              </a:spcAft>
+              <a:buClrTx/>
+              <a:buSzTx/>
+              <a:buFontTx/>
+              <a:buNone/>
+              <a:tabLst/>
+              <a:defRPr/>
+            </a:pPr>
+            <a:r>
+              <a:rPr kumimoji="0" lang="ko-KR" altLang="en-US" sz="4400" b="0" i="0" u="none" strike="noStrike" kern="1200" cap="none" spc="0" normalizeH="0" baseline="0" noProof="0" dirty="0">
+                <a:ln>
+                  <a:noFill/>
+                </a:ln>
+                <a:solidFill>
+                  <a:prstClr val="white"/>
+                </a:solidFill>
+                <a:effectLst/>
+                <a:uLnTx/>
+                <a:uFillTx/>
+                <a:latin typeface="Noto Sans CJK KR Black" panose="020B0A00000000000000" pitchFamily="34" charset="-127"/>
+                <a:ea typeface="Noto Sans CJK KR Black" panose="020B0A00000000000000" pitchFamily="34" charset="-127"/>
+                <a:cs typeface="+mn-cs"/>
+              </a:rPr>
+              <a:t>강의의 목적</a:t>
+            </a:r>
+            <a:endParaRPr kumimoji="0" lang="en-US" altLang="ko-KR" sz="4400" b="0" i="0" u="none" strike="noStrike" kern="1200" cap="none" spc="0" normalizeH="0" baseline="0" noProof="0" dirty="0">
+              <a:ln>
+                <a:noFill/>
+              </a:ln>
               <a:solidFill>
-                <a:schemeClr val="bg1"/>
+                <a:prstClr val="white"/>
               </a:solidFill>
+              <a:effectLst/>
+              <a:uLnTx/>
+              <a:uFillTx/>
               <a:latin typeface="Noto Sans CJK KR Black" panose="020B0A00000000000000" pitchFamily="34" charset="-127"/>
               <a:ea typeface="Noto Sans CJK KR Black" panose="020B0A00000000000000" pitchFamily="34" charset="-127"/>
+              <a:cs typeface="+mn-cs"/>
             </a:endParaRPr>
           </a:p>
           <a:p>
-            <a:endParaRPr lang="en-US" altLang="ko-KR" sz="4400" dirty="0">
+            <a:pPr marL="0" marR="0" lvl="0" indent="0" algn="l" defTabSz="1107796" rtl="0" eaLnBrk="1" fontAlgn="auto" latinLnBrk="1" hangingPunct="1">
+              <a:lnSpc>
+                <a:spcPct val="100000"/>
+              </a:lnSpc>
+              <a:spcBef>
+                <a:spcPts val="0"/>
+              </a:spcBef>
+              <a:spcAft>
+                <a:spcPts val="0"/>
+              </a:spcAft>
+              <a:buClrTx/>
+              <a:buSzTx/>
+              <a:buFontTx/>
+              <a:buNone/>
+              <a:tabLst/>
+              <a:defRPr/>
+            </a:pPr>
+            <a:endParaRPr kumimoji="0" lang="en-US" altLang="ko-KR" sz="4400" b="0" i="0" u="none" strike="noStrike" kern="1200" cap="none" spc="0" normalizeH="0" baseline="0" noProof="0" dirty="0">
+              <a:ln>
+                <a:noFill/>
+              </a:ln>
               <a:solidFill>
-                <a:schemeClr val="bg1"/>
+                <a:prstClr val="white"/>
               </a:solidFill>
+              <a:effectLst/>
+              <a:uLnTx/>
+              <a:uFillTx/>
               <a:latin typeface="Noto Sans CJK KR Black" panose="020B0A00000000000000" pitchFamily="34" charset="-127"/>
               <a:ea typeface="Noto Sans CJK KR Black" panose="020B0A00000000000000" pitchFamily="34" charset="-127"/>
+              <a:cs typeface="+mn-cs"/>
             </a:endParaRPr>
           </a:p>
           <a:p>
-            <a:r>
-              <a:rPr lang="en-US" altLang="ko-KR" sz="3200" dirty="0">
-                <a:solidFill>
-                  <a:schemeClr val="bg1"/>
-                </a:solidFill>
-                <a:latin typeface="Noto Sans CJK KR Black" panose="020B0A00000000000000" pitchFamily="34" charset="-127"/>
-                <a:ea typeface="Noto Sans CJK KR Black" panose="020B0A00000000000000" pitchFamily="34" charset="-127"/>
-              </a:rPr>
-              <a:t>“</a:t>
-            </a:r>
-            <a:r>
-              <a:rPr lang="ko-KR" altLang="en-US" sz="3200" dirty="0">
-                <a:solidFill>
-                  <a:schemeClr val="bg1"/>
-                </a:solidFill>
-                <a:latin typeface="Noto Sans CJK KR Black" panose="020B0A00000000000000" pitchFamily="34" charset="-127"/>
-                <a:ea typeface="Noto Sans CJK KR Black" panose="020B0A00000000000000" pitchFamily="34" charset="-127"/>
-              </a:rPr>
-              <a:t>학습방향과 알고리즘</a:t>
-            </a:r>
-            <a:r>
-              <a:rPr lang="en-US" altLang="ko-KR" sz="3200" dirty="0">
-                <a:solidFill>
-                  <a:schemeClr val="bg1"/>
-                </a:solidFill>
-                <a:latin typeface="Noto Sans CJK KR Black" panose="020B0A00000000000000" pitchFamily="34" charset="-127"/>
-                <a:ea typeface="Noto Sans CJK KR Black" panose="020B0A00000000000000" pitchFamily="34" charset="-127"/>
-              </a:rPr>
-              <a:t>“</a:t>
-            </a:r>
-          </a:p>
-          <a:p>
-            <a:r>
-              <a:rPr lang="en-US" altLang="ko-KR" sz="3200" dirty="0">
-                <a:solidFill>
-                  <a:schemeClr val="bg1"/>
-                </a:solidFill>
-                <a:latin typeface="Noto Sans CJK KR Black" panose="020B0A00000000000000" pitchFamily="34" charset="-127"/>
-                <a:ea typeface="Noto Sans CJK KR Black" panose="020B0A00000000000000" pitchFamily="34" charset="-127"/>
-              </a:rPr>
-              <a:t>“</a:t>
-            </a:r>
-            <a:r>
-              <a:rPr lang="ko-KR" altLang="en-US" sz="3200" dirty="0">
-                <a:solidFill>
-                  <a:schemeClr val="bg1"/>
-                </a:solidFill>
-                <a:latin typeface="Noto Sans CJK KR Black" panose="020B0A00000000000000" pitchFamily="34" charset="-127"/>
-                <a:ea typeface="Noto Sans CJK KR Black" panose="020B0A00000000000000" pitchFamily="34" charset="-127"/>
-              </a:rPr>
-              <a:t>시계열 데이터</a:t>
-            </a:r>
-            <a:r>
-              <a:rPr lang="en-US" altLang="ko-KR" sz="3200" dirty="0">
-                <a:solidFill>
-                  <a:schemeClr val="bg1"/>
-                </a:solidFill>
-                <a:latin typeface="Noto Sans CJK KR Black" panose="020B0A00000000000000" pitchFamily="34" charset="-127"/>
-                <a:ea typeface="Noto Sans CJK KR Black" panose="020B0A00000000000000" pitchFamily="34" charset="-127"/>
-              </a:rPr>
-              <a:t>/</a:t>
-            </a:r>
-            <a:r>
-              <a:rPr lang="ko-KR" altLang="en-US" sz="3200" dirty="0">
-                <a:solidFill>
-                  <a:schemeClr val="bg1"/>
-                </a:solidFill>
-                <a:latin typeface="Noto Sans CJK KR Black" panose="020B0A00000000000000" pitchFamily="34" charset="-127"/>
-                <a:ea typeface="Noto Sans CJK KR Black" panose="020B0A00000000000000" pitchFamily="34" charset="-127"/>
-              </a:rPr>
-              <a:t>분석과 기계학습의 차이</a:t>
-            </a:r>
-            <a:r>
-              <a:rPr lang="en-US" altLang="ko-KR" sz="3200" dirty="0">
-                <a:solidFill>
-                  <a:schemeClr val="bg1"/>
-                </a:solidFill>
-                <a:latin typeface="Noto Sans CJK KR Black" panose="020B0A00000000000000" pitchFamily="34" charset="-127"/>
-                <a:ea typeface="Noto Sans CJK KR Black" panose="020B0A00000000000000" pitchFamily="34" charset="-127"/>
-              </a:rPr>
-              <a:t>”</a:t>
-            </a:r>
-          </a:p>
-        </p:txBody>
-      </p:sp>
-      <p:sp>
-        <p:nvSpPr>
-          <p:cNvPr id="7" name="TextBox 6">
-            <a:extLst>
-              <a:ext uri="{FF2B5EF4-FFF2-40B4-BE49-F238E27FC236}">
-                <a16:creationId xmlns:a16="http://schemas.microsoft.com/office/drawing/2014/main" id="{AAFD912D-124D-4D6A-9A20-3B0F41150374}"/>
-              </a:ext>
-            </a:extLst>
-          </p:cNvPr>
+            <a:pPr marL="0" marR="0" lvl="0" indent="0" algn="l" defTabSz="1107796" rtl="0" eaLnBrk="1" fontAlgn="auto" latinLnBrk="1" hangingPunct="1">
+              <a:lnSpc>
+                <a:spcPct val="100000"/>
+              </a:lnSpc>
+              <a:spcBef>
+                <a:spcPts val="0"/>
+              </a:spcBef>
+              <a:spcAft>
+                <a:spcPts val="0"/>
+              </a:spcAft>
+              <a:buClrTx/>
+              <a:buSzTx/>
+              <a:buFontTx/>
+              <a:buNone/>
+              <a:tabLst/>
+              <a:defRPr/>
+            </a:pPr>
+            <a:endParaRPr kumimoji="0" lang="en-US" altLang="ko-KR" sz="4400" b="0" i="0" u="none" strike="noStrike" kern="1200" cap="none" spc="0" normalizeH="0" baseline="0" noProof="0" dirty="0">
+              <a:ln>
+                <a:noFill/>
+              </a:ln>
+              <a:solidFill>
+                <a:prstClr val="white"/>
+              </a:solidFill>
+              <a:effectLst/>
+              <a:uLnTx/>
+              <a:uFillTx/>
+              <a:latin typeface="Noto Sans CJK KR Black" panose="020B0A00000000000000" pitchFamily="34" charset="-127"/>
+              <a:ea typeface="Noto Sans CJK KR Black" panose="020B0A00000000000000" pitchFamily="34" charset="-127"/>
+              <a:cs typeface="+mn-cs"/>
+            </a:endParaRPr>
+          </a:p>
+        </p:txBody>
+      </p:sp>
+      <p:sp>
+        <p:nvSpPr>
+          <p:cNvPr id="12" name="TextBox 11"/>
           <p:cNvSpPr txBox="1"/>
           <p:nvPr/>
         </p:nvSpPr>
@@ -6580,25 +6723,135 @@
           </a:bodyPr>
           <a:lstStyle/>
           <a:p>
-            <a:pPr>
+            <a:pPr marL="0" marR="0" lvl="0" indent="0" algn="l" defTabSz="1107796" rtl="0" eaLnBrk="1" fontAlgn="auto" latinLnBrk="1" hangingPunct="1">
               <a:lnSpc>
                 <a:spcPct val="150000"/>
               </a:lnSpc>
+              <a:spcBef>
+                <a:spcPts val="0"/>
+              </a:spcBef>
+              <a:spcAft>
+                <a:spcPts val="0"/>
+              </a:spcAft>
+              <a:buClrTx/>
+              <a:buSzTx/>
+              <a:buFontTx/>
+              <a:buNone/>
+              <a:tabLst/>
+              <a:defRPr/>
             </a:pPr>
-            <a:endParaRPr lang="en-US" altLang="ko-KR" sz="1050" dirty="0">
+            <a:endParaRPr kumimoji="0" lang="en-US" altLang="ko-KR" sz="1050" b="0" i="0" u="none" strike="noStrike" kern="1200" cap="none" spc="0" normalizeH="0" baseline="0" noProof="0" dirty="0">
+              <a:ln>
+                <a:noFill/>
+              </a:ln>
               <a:solidFill>
-                <a:schemeClr val="bg1"/>
+                <a:prstClr val="white"/>
               </a:solidFill>
+              <a:effectLst/>
+              <a:uLnTx/>
+              <a:uFillTx/>
               <a:latin typeface="Noto Sans CJK KR Medium" panose="020B0600000000000000" pitchFamily="34" charset="-127"/>
               <a:ea typeface="Noto Sans CJK KR Medium" panose="020B0600000000000000" pitchFamily="34" charset="-127"/>
+              <a:cs typeface="+mn-cs"/>
             </a:endParaRPr>
+          </a:p>
+        </p:txBody>
+      </p:sp>
+      <p:pic>
+        <p:nvPicPr>
+          <p:cNvPr id="6" name="그림 5">
+            <a:extLst>
+              <a:ext uri="{FF2B5EF4-FFF2-40B4-BE49-F238E27FC236}">
+                <a16:creationId xmlns:a16="http://schemas.microsoft.com/office/drawing/2014/main" id="{DB5EDEC6-8B0A-462F-8B63-AB96D03FE054}"/>
+              </a:ext>
+            </a:extLst>
+          </p:cNvPr>
+          <p:cNvPicPr>
+            <a:picLocks noChangeAspect="1"/>
+          </p:cNvPicPr>
+          <p:nvPr/>
+        </p:nvPicPr>
+        <p:blipFill>
+          <a:blip r:embed="rId3">
+            <a:extLst>
+              <a:ext uri="{28A0092B-C50C-407E-A947-70E740481C1C}">
+                <a14:useLocalDpi xmlns:a14="http://schemas.microsoft.com/office/drawing/2010/main" val="0"/>
+              </a:ext>
+            </a:extLst>
+          </a:blip>
+          <a:stretch>
+            <a:fillRect/>
+          </a:stretch>
+        </p:blipFill>
+        <p:spPr>
+          <a:xfrm>
+            <a:off x="4604447" y="5246"/>
+            <a:ext cx="7555803" cy="6840538"/>
+          </a:xfrm>
+          <a:prstGeom prst="rect">
+            <a:avLst/>
+          </a:prstGeom>
+        </p:spPr>
+      </p:pic>
+      <p:sp>
+        <p:nvSpPr>
+          <p:cNvPr id="2" name="TextBox 1">
+            <a:extLst>
+              <a:ext uri="{FF2B5EF4-FFF2-40B4-BE49-F238E27FC236}">
+                <a16:creationId xmlns:a16="http://schemas.microsoft.com/office/drawing/2014/main" id="{8060EEAE-53E1-49A6-9042-250FCF40B0FE}"/>
+              </a:ext>
+            </a:extLst>
+          </p:cNvPr>
+          <p:cNvSpPr txBox="1"/>
+          <p:nvPr/>
+        </p:nvSpPr>
+        <p:spPr>
+          <a:xfrm>
+            <a:off x="8312373" y="539949"/>
+            <a:ext cx="3685698" cy="2462213"/>
+          </a:xfrm>
+          <a:prstGeom prst="rect">
+            <a:avLst/>
+          </a:prstGeom>
+          <a:noFill/>
+          <a:ln w="38100">
+            <a:solidFill>
+              <a:srgbClr val="FF0000"/>
+            </a:solidFill>
+          </a:ln>
+        </p:spPr>
+        <p:txBody>
+          <a:bodyPr wrap="square" rtlCol="0">
+            <a:spAutoFit/>
+          </a:bodyPr>
+          <a:lstStyle/>
+          <a:p>
+            <a:endParaRPr lang="en-US" altLang="ko-KR" dirty="0"/>
+          </a:p>
+          <a:p>
+            <a:endParaRPr lang="en-US" altLang="ko-KR" dirty="0"/>
+          </a:p>
+          <a:p>
+            <a:endParaRPr lang="en-US" altLang="ko-KR" dirty="0"/>
+          </a:p>
+          <a:p>
+            <a:endParaRPr lang="en-US" altLang="ko-KR" dirty="0"/>
+          </a:p>
+          <a:p>
+            <a:endParaRPr lang="en-US" altLang="ko-KR" dirty="0"/>
+          </a:p>
+          <a:p>
+            <a:endParaRPr lang="en-US" altLang="ko-KR" dirty="0"/>
+          </a:p>
+          <a:p>
+            <a:endParaRPr lang="ko-KR" altLang="en-US" dirty="0"/>
           </a:p>
         </p:txBody>
       </p:sp>
     </p:spTree>
     <p:extLst>
       <p:ext uri="{BB962C8B-B14F-4D97-AF65-F5344CB8AC3E}">
-        <p14:creationId xmlns:p14="http://schemas.microsoft.com/office/powerpoint/2010/main" val="986375043"/>
+        <p14:creationId xmlns:p14="http://schemas.microsoft.com/office/powerpoint/2010/main" val="3071079874"/>
       </p:ext>
     </p:extLst>
   </p:cSld>

--- a/Shared/[FastCampus] 2주차_강의자료_김경원박사.pptx
+++ b/Shared/[FastCampus] 2주차_강의자료_김경원박사.pptx
@@ -251,7 +251,7 @@
           <a:p>
             <a:fld id="{FC718EE8-BF93-4A17-BED5-FC99EECA5FC7}" type="datetimeFigureOut">
               <a:rPr lang="ko-KR" altLang="en-US" smtClean="0"/>
-              <a:t>2019-08-04</a:t>
+              <a:t>2020-01-04</a:t>
             </a:fld>
             <a:endParaRPr lang="ko-KR" altLang="en-US"/>
           </a:p>
@@ -416,7 +416,7 @@
           <a:p>
             <a:fld id="{6101F873-BA02-446B-9127-C4DE4310B943}" type="datetimeFigureOut">
               <a:rPr lang="ko-KR" altLang="en-US" smtClean="0"/>
-              <a:t>2019-08-04</a:t>
+              <a:t>2020-01-04</a:t>
             </a:fld>
             <a:endParaRPr lang="ko-KR" altLang="en-US"/>
           </a:p>
@@ -1006,7 +1006,7 @@
           <a:p>
             <a:fld id="{89B5E594-86C5-4F1D-8812-38DF40064943}" type="datetime1">
               <a:rPr lang="ko-KR" altLang="en-US" smtClean="0"/>
-              <a:t>2019-08-04</a:t>
+              <a:t>2020-01-04</a:t>
             </a:fld>
             <a:endParaRPr lang="ko-KR" altLang="en-US"/>
           </a:p>
@@ -1214,7 +1214,7 @@
           <a:p>
             <a:fld id="{05C0B17C-522D-4CD8-8139-01EDEBAB2AF6}" type="datetime1">
               <a:rPr lang="ko-KR" altLang="en-US" smtClean="0"/>
-              <a:t>2019-08-04</a:t>
+              <a:t>2020-01-04</a:t>
             </a:fld>
             <a:endParaRPr lang="ko-KR" altLang="en-US"/>
           </a:p>
@@ -1392,7 +1392,7 @@
           <a:p>
             <a:fld id="{7345261C-38F3-40E7-AAA6-CE27B727AA65}" type="datetime1">
               <a:rPr lang="ko-KR" altLang="en-US" smtClean="0"/>
-              <a:t>2019-08-04</a:t>
+              <a:t>2020-01-04</a:t>
             </a:fld>
             <a:endParaRPr lang="ko-KR" altLang="en-US"/>
           </a:p>
@@ -1560,7 +1560,7 @@
           <a:p>
             <a:fld id="{A8472951-AD8C-47B8-8787-30E2F4BFA1EA}" type="datetime1">
               <a:rPr lang="ko-KR" altLang="en-US" smtClean="0"/>
-              <a:t>2019-08-04</a:t>
+              <a:t>2020-01-04</a:t>
             </a:fld>
             <a:endParaRPr lang="ko-KR" altLang="en-US"/>
           </a:p>
@@ -1815,7 +1815,7 @@
           <a:p>
             <a:fld id="{8BCB1BBF-13D1-46E6-8B8B-C9F26A0BAD91}" type="datetime1">
               <a:rPr lang="ko-KR" altLang="en-US" smtClean="0"/>
-              <a:t>2019-08-04</a:t>
+              <a:t>2020-01-04</a:t>
             </a:fld>
             <a:endParaRPr lang="ko-KR" altLang="en-US"/>
           </a:p>
@@ -2100,7 +2100,7 @@
           <a:p>
             <a:fld id="{B16FDC3D-FD6A-49DF-B101-11717D57279F}" type="datetime1">
               <a:rPr lang="ko-KR" altLang="en-US" smtClean="0"/>
-              <a:t>2019-08-04</a:t>
+              <a:t>2020-01-04</a:t>
             </a:fld>
             <a:endParaRPr lang="ko-KR" altLang="en-US"/>
           </a:p>
@@ -2519,7 +2519,7 @@
           <a:p>
             <a:fld id="{42D411A2-FD90-4A19-98A8-25197A66BC26}" type="datetime1">
               <a:rPr lang="ko-KR" altLang="en-US" smtClean="0"/>
-              <a:t>2019-08-04</a:t>
+              <a:t>2020-01-04</a:t>
             </a:fld>
             <a:endParaRPr lang="ko-KR" altLang="en-US"/>
           </a:p>
@@ -2636,7 +2636,7 @@
           <a:p>
             <a:fld id="{F6E6B532-6471-449A-9A2F-4428556C2F98}" type="datetime1">
               <a:rPr lang="ko-KR" altLang="en-US" smtClean="0"/>
-              <a:t>2019-08-04</a:t>
+              <a:t>2020-01-04</a:t>
             </a:fld>
             <a:endParaRPr lang="ko-KR" altLang="en-US"/>
           </a:p>
@@ -2731,7 +2731,7 @@
           <a:p>
             <a:fld id="{45A9E13B-856D-4562-A86D-A2B6F7BF810F}" type="datetime1">
               <a:rPr lang="ko-KR" altLang="en-US" smtClean="0"/>
-              <a:t>2019-08-04</a:t>
+              <a:t>2020-01-04</a:t>
             </a:fld>
             <a:endParaRPr lang="ko-KR" altLang="en-US"/>
           </a:p>
@@ -3006,7 +3006,7 @@
           <a:p>
             <a:fld id="{A672FB3A-7E9E-4380-9381-6FCA87FBB41A}" type="datetime1">
               <a:rPr lang="ko-KR" altLang="en-US" smtClean="0"/>
-              <a:t>2019-08-04</a:t>
+              <a:t>2020-01-04</a:t>
             </a:fld>
             <a:endParaRPr lang="ko-KR" altLang="en-US"/>
           </a:p>
@@ -3258,7 +3258,7 @@
           <a:p>
             <a:fld id="{3948CCBA-1514-4E9E-888A-807450F810B0}" type="datetime1">
               <a:rPr lang="ko-KR" altLang="en-US" smtClean="0"/>
-              <a:t>2019-08-04</a:t>
+              <a:t>2020-01-04</a:t>
             </a:fld>
             <a:endParaRPr lang="ko-KR" altLang="en-US"/>
           </a:p>
@@ -3471,7 +3471,7 @@
           <a:p>
             <a:fld id="{170EDEE7-370E-499F-B978-ABF387098974}" type="datetime1">
               <a:rPr lang="ko-KR" altLang="en-US" smtClean="0"/>
-              <a:t>2019-08-04</a:t>
+              <a:t>2020-01-04</a:t>
             </a:fld>
             <a:endParaRPr lang="ko-KR" altLang="en-US" dirty="0"/>
           </a:p>
@@ -7090,10 +7090,10 @@
       </p:sp>
       <p:pic>
         <p:nvPicPr>
-          <p:cNvPr id="7" name="그림 6">
+          <p:cNvPr id="3" name="그림 2">
             <a:extLst>
               <a:ext uri="{FF2B5EF4-FFF2-40B4-BE49-F238E27FC236}">
-                <a16:creationId xmlns:a16="http://schemas.microsoft.com/office/drawing/2014/main" id="{7D4E2E8C-0F98-4686-87CC-9D5F595ACE8A}"/>
+                <a16:creationId xmlns:a16="http://schemas.microsoft.com/office/drawing/2014/main" id="{67F499C8-3FD0-48A7-BDFD-F5857E0E9AA3}"/>
               </a:ext>
             </a:extLst>
           </p:cNvPr>
@@ -7110,8 +7110,8 @@
         </p:blipFill>
         <p:spPr>
           <a:xfrm>
-            <a:off x="3498850" y="581819"/>
-            <a:ext cx="5162550" cy="5676900"/>
+            <a:off x="3046141" y="1620069"/>
+            <a:ext cx="6067967" cy="4110955"/>
           </a:xfrm>
           <a:prstGeom prst="rect">
             <a:avLst/>
